--- a/Presentation/Presentation.pptx
+++ b/Presentation/Presentation.pptx
@@ -262,7 +262,7 @@
           <a:p>
             <a:fld id="{276D79ED-3FA7-4EF8-964B-EB8BCFAB02F8}" type="datetimeFigureOut">
               <a:rPr lang="en-US" smtClean="0"/>
-              <a:t>5/13/2022</a:t>
+              <a:t>5/23/2022</a:t>
             </a:fld>
             <a:endParaRPr lang="en-US"/>
           </a:p>
@@ -430,7 +430,7 @@
           <a:p>
             <a:fld id="{276D79ED-3FA7-4EF8-964B-EB8BCFAB02F8}" type="datetimeFigureOut">
               <a:rPr lang="en-US" smtClean="0"/>
-              <a:t>5/13/2022</a:t>
+              <a:t>5/23/2022</a:t>
             </a:fld>
             <a:endParaRPr lang="en-US"/>
           </a:p>
@@ -676,7 +676,7 @@
           <a:p>
             <a:fld id="{276D79ED-3FA7-4EF8-964B-EB8BCFAB02F8}" type="datetimeFigureOut">
               <a:rPr lang="en-US" smtClean="0"/>
-              <a:t>5/13/2022</a:t>
+              <a:t>5/23/2022</a:t>
             </a:fld>
             <a:endParaRPr lang="en-US"/>
           </a:p>
@@ -905,7 +905,7 @@
           <a:p>
             <a:fld id="{276D79ED-3FA7-4EF8-964B-EB8BCFAB02F8}" type="datetimeFigureOut">
               <a:rPr lang="en-US" smtClean="0"/>
-              <a:t>5/13/2022</a:t>
+              <a:t>5/23/2022</a:t>
             </a:fld>
             <a:endParaRPr lang="en-US"/>
           </a:p>
@@ -1269,7 +1269,7 @@
           <a:p>
             <a:fld id="{276D79ED-3FA7-4EF8-964B-EB8BCFAB02F8}" type="datetimeFigureOut">
               <a:rPr lang="en-US" smtClean="0"/>
-              <a:t>5/13/2022</a:t>
+              <a:t>5/23/2022</a:t>
             </a:fld>
             <a:endParaRPr lang="en-US"/>
           </a:p>
@@ -1386,7 +1386,7 @@
           <a:p>
             <a:fld id="{276D79ED-3FA7-4EF8-964B-EB8BCFAB02F8}" type="datetimeFigureOut">
               <a:rPr lang="en-US" smtClean="0"/>
-              <a:t>5/13/2022</a:t>
+              <a:t>5/23/2022</a:t>
             </a:fld>
             <a:endParaRPr lang="en-US"/>
           </a:p>
@@ -1481,7 +1481,7 @@
           <a:p>
             <a:fld id="{276D79ED-3FA7-4EF8-964B-EB8BCFAB02F8}" type="datetimeFigureOut">
               <a:rPr lang="en-US" smtClean="0"/>
-              <a:t>5/13/2022</a:t>
+              <a:t>5/23/2022</a:t>
             </a:fld>
             <a:endParaRPr lang="en-US"/>
           </a:p>
@@ -1757,7 +1757,7 @@
           <a:p>
             <a:fld id="{276D79ED-3FA7-4EF8-964B-EB8BCFAB02F8}" type="datetimeFigureOut">
               <a:rPr lang="en-US" smtClean="0"/>
-              <a:t>5/13/2022</a:t>
+              <a:t>5/23/2022</a:t>
             </a:fld>
             <a:endParaRPr lang="en-US"/>
           </a:p>
@@ -2013,7 +2013,7 @@
           <a:p>
             <a:fld id="{276D79ED-3FA7-4EF8-964B-EB8BCFAB02F8}" type="datetimeFigureOut">
               <a:rPr lang="en-US" smtClean="0"/>
-              <a:t>5/13/2022</a:t>
+              <a:t>5/23/2022</a:t>
             </a:fld>
             <a:endParaRPr lang="en-US"/>
           </a:p>
@@ -2233,7 +2233,7 @@
           <a:p>
             <a:fld id="{276D79ED-3FA7-4EF8-964B-EB8BCFAB02F8}" type="datetimeFigureOut">
               <a:rPr lang="en-US" smtClean="0"/>
-              <a:t>5/13/2022</a:t>
+              <a:t>5/23/2022</a:t>
             </a:fld>
             <a:endParaRPr lang="en-US"/>
           </a:p>
@@ -2978,6 +2978,344 @@
   <p:clrMapOvr>
     <a:masterClrMapping/>
   </p:clrMapOvr>
+  <p:timing>
+    <p:tnLst>
+      <p:par>
+        <p:cTn id="1" dur="indefinite" restart="never" nodeType="tmRoot">
+          <p:childTnLst>
+            <p:seq concurrent="1" nextAc="seek">
+              <p:cTn id="2" dur="indefinite" nodeType="mainSeq">
+                <p:childTnLst>
+                  <p:par>
+                    <p:cTn id="3" fill="hold">
+                      <p:stCondLst>
+                        <p:cond delay="indefinite"/>
+                      </p:stCondLst>
+                      <p:childTnLst>
+                        <p:par>
+                          <p:cTn id="4" fill="hold">
+                            <p:stCondLst>
+                              <p:cond delay="0"/>
+                            </p:stCondLst>
+                            <p:childTnLst>
+                              <p:par>
+                                <p:cTn id="5" presetID="10" presetClass="entr" presetSubtype="0" fill="hold" grpId="0" nodeType="clickEffect">
+                                  <p:stCondLst>
+                                    <p:cond delay="0"/>
+                                  </p:stCondLst>
+                                  <p:childTnLst>
+                                    <p:set>
+                                      <p:cBhvr>
+                                        <p:cTn id="6" dur="1" fill="hold">
+                                          <p:stCondLst>
+                                            <p:cond delay="0"/>
+                                          </p:stCondLst>
+                                        </p:cTn>
+                                        <p:tgtEl>
+                                          <p:spTgt spid="3">
+                                            <p:txEl>
+                                              <p:pRg st="0" end="0"/>
+                                            </p:txEl>
+                                          </p:spTgt>
+                                        </p:tgtEl>
+                                        <p:attrNameLst>
+                                          <p:attrName>style.visibility</p:attrName>
+                                        </p:attrNameLst>
+                                      </p:cBhvr>
+                                      <p:to>
+                                        <p:strVal val="visible"/>
+                                      </p:to>
+                                    </p:set>
+                                    <p:animEffect transition="in" filter="fade">
+                                      <p:cBhvr>
+                                        <p:cTn id="7" dur="500"/>
+                                        <p:tgtEl>
+                                          <p:spTgt spid="3">
+                                            <p:txEl>
+                                              <p:pRg st="0" end="0"/>
+                                            </p:txEl>
+                                          </p:spTgt>
+                                        </p:tgtEl>
+                                      </p:cBhvr>
+                                    </p:animEffect>
+                                  </p:childTnLst>
+                                </p:cTn>
+                              </p:par>
+                            </p:childTnLst>
+                          </p:cTn>
+                        </p:par>
+                      </p:childTnLst>
+                    </p:cTn>
+                  </p:par>
+                  <p:par>
+                    <p:cTn id="8" fill="hold">
+                      <p:stCondLst>
+                        <p:cond delay="indefinite"/>
+                      </p:stCondLst>
+                      <p:childTnLst>
+                        <p:par>
+                          <p:cTn id="9" fill="hold">
+                            <p:stCondLst>
+                              <p:cond delay="0"/>
+                            </p:stCondLst>
+                            <p:childTnLst>
+                              <p:par>
+                                <p:cTn id="10" presetID="10" presetClass="entr" presetSubtype="0" fill="hold" grpId="0" nodeType="clickEffect">
+                                  <p:stCondLst>
+                                    <p:cond delay="0"/>
+                                  </p:stCondLst>
+                                  <p:childTnLst>
+                                    <p:set>
+                                      <p:cBhvr>
+                                        <p:cTn id="11" dur="1" fill="hold">
+                                          <p:stCondLst>
+                                            <p:cond delay="0"/>
+                                          </p:stCondLst>
+                                        </p:cTn>
+                                        <p:tgtEl>
+                                          <p:spTgt spid="3">
+                                            <p:txEl>
+                                              <p:pRg st="1" end="1"/>
+                                            </p:txEl>
+                                          </p:spTgt>
+                                        </p:tgtEl>
+                                        <p:attrNameLst>
+                                          <p:attrName>style.visibility</p:attrName>
+                                        </p:attrNameLst>
+                                      </p:cBhvr>
+                                      <p:to>
+                                        <p:strVal val="visible"/>
+                                      </p:to>
+                                    </p:set>
+                                    <p:animEffect transition="in" filter="fade">
+                                      <p:cBhvr>
+                                        <p:cTn id="12" dur="500"/>
+                                        <p:tgtEl>
+                                          <p:spTgt spid="3">
+                                            <p:txEl>
+                                              <p:pRg st="1" end="1"/>
+                                            </p:txEl>
+                                          </p:spTgt>
+                                        </p:tgtEl>
+                                      </p:cBhvr>
+                                    </p:animEffect>
+                                  </p:childTnLst>
+                                </p:cTn>
+                              </p:par>
+                            </p:childTnLst>
+                          </p:cTn>
+                        </p:par>
+                      </p:childTnLst>
+                    </p:cTn>
+                  </p:par>
+                  <p:par>
+                    <p:cTn id="13" fill="hold">
+                      <p:stCondLst>
+                        <p:cond delay="indefinite"/>
+                      </p:stCondLst>
+                      <p:childTnLst>
+                        <p:par>
+                          <p:cTn id="14" fill="hold">
+                            <p:stCondLst>
+                              <p:cond delay="0"/>
+                            </p:stCondLst>
+                            <p:childTnLst>
+                              <p:par>
+                                <p:cTn id="15" presetID="10" presetClass="entr" presetSubtype="0" fill="hold" grpId="0" nodeType="clickEffect">
+                                  <p:stCondLst>
+                                    <p:cond delay="0"/>
+                                  </p:stCondLst>
+                                  <p:childTnLst>
+                                    <p:set>
+                                      <p:cBhvr>
+                                        <p:cTn id="16" dur="1" fill="hold">
+                                          <p:stCondLst>
+                                            <p:cond delay="0"/>
+                                          </p:stCondLst>
+                                        </p:cTn>
+                                        <p:tgtEl>
+                                          <p:spTgt spid="3">
+                                            <p:txEl>
+                                              <p:pRg st="2" end="2"/>
+                                            </p:txEl>
+                                          </p:spTgt>
+                                        </p:tgtEl>
+                                        <p:attrNameLst>
+                                          <p:attrName>style.visibility</p:attrName>
+                                        </p:attrNameLst>
+                                      </p:cBhvr>
+                                      <p:to>
+                                        <p:strVal val="visible"/>
+                                      </p:to>
+                                    </p:set>
+                                    <p:animEffect transition="in" filter="fade">
+                                      <p:cBhvr>
+                                        <p:cTn id="17" dur="500"/>
+                                        <p:tgtEl>
+                                          <p:spTgt spid="3">
+                                            <p:txEl>
+                                              <p:pRg st="2" end="2"/>
+                                            </p:txEl>
+                                          </p:spTgt>
+                                        </p:tgtEl>
+                                      </p:cBhvr>
+                                    </p:animEffect>
+                                  </p:childTnLst>
+                                </p:cTn>
+                              </p:par>
+                            </p:childTnLst>
+                          </p:cTn>
+                        </p:par>
+                      </p:childTnLst>
+                    </p:cTn>
+                  </p:par>
+                  <p:par>
+                    <p:cTn id="18" fill="hold">
+                      <p:stCondLst>
+                        <p:cond delay="indefinite"/>
+                      </p:stCondLst>
+                      <p:childTnLst>
+                        <p:par>
+                          <p:cTn id="19" fill="hold">
+                            <p:stCondLst>
+                              <p:cond delay="0"/>
+                            </p:stCondLst>
+                            <p:childTnLst>
+                              <p:par>
+                                <p:cTn id="20" presetID="10" presetClass="entr" presetSubtype="0" fill="hold" grpId="0" nodeType="clickEffect">
+                                  <p:stCondLst>
+                                    <p:cond delay="0"/>
+                                  </p:stCondLst>
+                                  <p:childTnLst>
+                                    <p:set>
+                                      <p:cBhvr>
+                                        <p:cTn id="21" dur="1" fill="hold">
+                                          <p:stCondLst>
+                                            <p:cond delay="0"/>
+                                          </p:stCondLst>
+                                        </p:cTn>
+                                        <p:tgtEl>
+                                          <p:spTgt spid="3">
+                                            <p:txEl>
+                                              <p:pRg st="3" end="3"/>
+                                            </p:txEl>
+                                          </p:spTgt>
+                                        </p:tgtEl>
+                                        <p:attrNameLst>
+                                          <p:attrName>style.visibility</p:attrName>
+                                        </p:attrNameLst>
+                                      </p:cBhvr>
+                                      <p:to>
+                                        <p:strVal val="visible"/>
+                                      </p:to>
+                                    </p:set>
+                                    <p:animEffect transition="in" filter="fade">
+                                      <p:cBhvr>
+                                        <p:cTn id="22" dur="500"/>
+                                        <p:tgtEl>
+                                          <p:spTgt spid="3">
+                                            <p:txEl>
+                                              <p:pRg st="3" end="3"/>
+                                            </p:txEl>
+                                          </p:spTgt>
+                                        </p:tgtEl>
+                                      </p:cBhvr>
+                                    </p:animEffect>
+                                  </p:childTnLst>
+                                </p:cTn>
+                              </p:par>
+                            </p:childTnLst>
+                          </p:cTn>
+                        </p:par>
+                      </p:childTnLst>
+                    </p:cTn>
+                  </p:par>
+                  <p:par>
+                    <p:cTn id="23" fill="hold">
+                      <p:stCondLst>
+                        <p:cond delay="indefinite"/>
+                      </p:stCondLst>
+                      <p:childTnLst>
+                        <p:par>
+                          <p:cTn id="24" fill="hold">
+                            <p:stCondLst>
+                              <p:cond delay="0"/>
+                            </p:stCondLst>
+                            <p:childTnLst>
+                              <p:par>
+                                <p:cTn id="25" presetID="10" presetClass="entr" presetSubtype="0" fill="hold" grpId="0" nodeType="clickEffect">
+                                  <p:stCondLst>
+                                    <p:cond delay="0"/>
+                                  </p:stCondLst>
+                                  <p:childTnLst>
+                                    <p:set>
+                                      <p:cBhvr>
+                                        <p:cTn id="26" dur="1" fill="hold">
+                                          <p:stCondLst>
+                                            <p:cond delay="0"/>
+                                          </p:stCondLst>
+                                        </p:cTn>
+                                        <p:tgtEl>
+                                          <p:spTgt spid="3">
+                                            <p:txEl>
+                                              <p:pRg st="4" end="4"/>
+                                            </p:txEl>
+                                          </p:spTgt>
+                                        </p:tgtEl>
+                                        <p:attrNameLst>
+                                          <p:attrName>style.visibility</p:attrName>
+                                        </p:attrNameLst>
+                                      </p:cBhvr>
+                                      <p:to>
+                                        <p:strVal val="visible"/>
+                                      </p:to>
+                                    </p:set>
+                                    <p:animEffect transition="in" filter="fade">
+                                      <p:cBhvr>
+                                        <p:cTn id="27" dur="500"/>
+                                        <p:tgtEl>
+                                          <p:spTgt spid="3">
+                                            <p:txEl>
+                                              <p:pRg st="4" end="4"/>
+                                            </p:txEl>
+                                          </p:spTgt>
+                                        </p:tgtEl>
+                                      </p:cBhvr>
+                                    </p:animEffect>
+                                  </p:childTnLst>
+                                </p:cTn>
+                              </p:par>
+                            </p:childTnLst>
+                          </p:cTn>
+                        </p:par>
+                      </p:childTnLst>
+                    </p:cTn>
+                  </p:par>
+                </p:childTnLst>
+              </p:cTn>
+              <p:prevCondLst>
+                <p:cond evt="onPrev" delay="0">
+                  <p:tgtEl>
+                    <p:sldTgt/>
+                  </p:tgtEl>
+                </p:cond>
+              </p:prevCondLst>
+              <p:nextCondLst>
+                <p:cond evt="onNext" delay="0">
+                  <p:tgtEl>
+                    <p:sldTgt/>
+                  </p:tgtEl>
+                </p:cond>
+              </p:nextCondLst>
+            </p:seq>
+          </p:childTnLst>
+        </p:cTn>
+      </p:par>
+    </p:tnLst>
+    <p:bldLst>
+      <p:bldP spid="3" grpId="0" build="p"/>
+    </p:bldLst>
+  </p:timing>
 </p:sld>
 </file>
 
@@ -3092,6 +3430,344 @@
   <p:clrMapOvr>
     <a:masterClrMapping/>
   </p:clrMapOvr>
+  <p:timing>
+    <p:tnLst>
+      <p:par>
+        <p:cTn id="1" dur="indefinite" restart="never" nodeType="tmRoot">
+          <p:childTnLst>
+            <p:seq concurrent="1" nextAc="seek">
+              <p:cTn id="2" dur="indefinite" nodeType="mainSeq">
+                <p:childTnLst>
+                  <p:par>
+                    <p:cTn id="3" fill="hold">
+                      <p:stCondLst>
+                        <p:cond delay="indefinite"/>
+                      </p:stCondLst>
+                      <p:childTnLst>
+                        <p:par>
+                          <p:cTn id="4" fill="hold">
+                            <p:stCondLst>
+                              <p:cond delay="0"/>
+                            </p:stCondLst>
+                            <p:childTnLst>
+                              <p:par>
+                                <p:cTn id="5" presetID="10" presetClass="entr" presetSubtype="0" fill="hold" grpId="0" nodeType="clickEffect">
+                                  <p:stCondLst>
+                                    <p:cond delay="0"/>
+                                  </p:stCondLst>
+                                  <p:childTnLst>
+                                    <p:set>
+                                      <p:cBhvr>
+                                        <p:cTn id="6" dur="1" fill="hold">
+                                          <p:stCondLst>
+                                            <p:cond delay="0"/>
+                                          </p:stCondLst>
+                                        </p:cTn>
+                                        <p:tgtEl>
+                                          <p:spTgt spid="3">
+                                            <p:txEl>
+                                              <p:pRg st="0" end="0"/>
+                                            </p:txEl>
+                                          </p:spTgt>
+                                        </p:tgtEl>
+                                        <p:attrNameLst>
+                                          <p:attrName>style.visibility</p:attrName>
+                                        </p:attrNameLst>
+                                      </p:cBhvr>
+                                      <p:to>
+                                        <p:strVal val="visible"/>
+                                      </p:to>
+                                    </p:set>
+                                    <p:animEffect transition="in" filter="fade">
+                                      <p:cBhvr>
+                                        <p:cTn id="7" dur="500"/>
+                                        <p:tgtEl>
+                                          <p:spTgt spid="3">
+                                            <p:txEl>
+                                              <p:pRg st="0" end="0"/>
+                                            </p:txEl>
+                                          </p:spTgt>
+                                        </p:tgtEl>
+                                      </p:cBhvr>
+                                    </p:animEffect>
+                                  </p:childTnLst>
+                                </p:cTn>
+                              </p:par>
+                            </p:childTnLst>
+                          </p:cTn>
+                        </p:par>
+                      </p:childTnLst>
+                    </p:cTn>
+                  </p:par>
+                  <p:par>
+                    <p:cTn id="8" fill="hold">
+                      <p:stCondLst>
+                        <p:cond delay="indefinite"/>
+                      </p:stCondLst>
+                      <p:childTnLst>
+                        <p:par>
+                          <p:cTn id="9" fill="hold">
+                            <p:stCondLst>
+                              <p:cond delay="0"/>
+                            </p:stCondLst>
+                            <p:childTnLst>
+                              <p:par>
+                                <p:cTn id="10" presetID="10" presetClass="entr" presetSubtype="0" fill="hold" grpId="0" nodeType="clickEffect">
+                                  <p:stCondLst>
+                                    <p:cond delay="0"/>
+                                  </p:stCondLst>
+                                  <p:childTnLst>
+                                    <p:set>
+                                      <p:cBhvr>
+                                        <p:cTn id="11" dur="1" fill="hold">
+                                          <p:stCondLst>
+                                            <p:cond delay="0"/>
+                                          </p:stCondLst>
+                                        </p:cTn>
+                                        <p:tgtEl>
+                                          <p:spTgt spid="3">
+                                            <p:txEl>
+                                              <p:pRg st="1" end="1"/>
+                                            </p:txEl>
+                                          </p:spTgt>
+                                        </p:tgtEl>
+                                        <p:attrNameLst>
+                                          <p:attrName>style.visibility</p:attrName>
+                                        </p:attrNameLst>
+                                      </p:cBhvr>
+                                      <p:to>
+                                        <p:strVal val="visible"/>
+                                      </p:to>
+                                    </p:set>
+                                    <p:animEffect transition="in" filter="fade">
+                                      <p:cBhvr>
+                                        <p:cTn id="12" dur="500"/>
+                                        <p:tgtEl>
+                                          <p:spTgt spid="3">
+                                            <p:txEl>
+                                              <p:pRg st="1" end="1"/>
+                                            </p:txEl>
+                                          </p:spTgt>
+                                        </p:tgtEl>
+                                      </p:cBhvr>
+                                    </p:animEffect>
+                                  </p:childTnLst>
+                                </p:cTn>
+                              </p:par>
+                            </p:childTnLst>
+                          </p:cTn>
+                        </p:par>
+                      </p:childTnLst>
+                    </p:cTn>
+                  </p:par>
+                  <p:par>
+                    <p:cTn id="13" fill="hold">
+                      <p:stCondLst>
+                        <p:cond delay="indefinite"/>
+                      </p:stCondLst>
+                      <p:childTnLst>
+                        <p:par>
+                          <p:cTn id="14" fill="hold">
+                            <p:stCondLst>
+                              <p:cond delay="0"/>
+                            </p:stCondLst>
+                            <p:childTnLst>
+                              <p:par>
+                                <p:cTn id="15" presetID="10" presetClass="entr" presetSubtype="0" fill="hold" grpId="0" nodeType="clickEffect">
+                                  <p:stCondLst>
+                                    <p:cond delay="0"/>
+                                  </p:stCondLst>
+                                  <p:childTnLst>
+                                    <p:set>
+                                      <p:cBhvr>
+                                        <p:cTn id="16" dur="1" fill="hold">
+                                          <p:stCondLst>
+                                            <p:cond delay="0"/>
+                                          </p:stCondLst>
+                                        </p:cTn>
+                                        <p:tgtEl>
+                                          <p:spTgt spid="3">
+                                            <p:txEl>
+                                              <p:pRg st="2" end="2"/>
+                                            </p:txEl>
+                                          </p:spTgt>
+                                        </p:tgtEl>
+                                        <p:attrNameLst>
+                                          <p:attrName>style.visibility</p:attrName>
+                                        </p:attrNameLst>
+                                      </p:cBhvr>
+                                      <p:to>
+                                        <p:strVal val="visible"/>
+                                      </p:to>
+                                    </p:set>
+                                    <p:animEffect transition="in" filter="fade">
+                                      <p:cBhvr>
+                                        <p:cTn id="17" dur="500"/>
+                                        <p:tgtEl>
+                                          <p:spTgt spid="3">
+                                            <p:txEl>
+                                              <p:pRg st="2" end="2"/>
+                                            </p:txEl>
+                                          </p:spTgt>
+                                        </p:tgtEl>
+                                      </p:cBhvr>
+                                    </p:animEffect>
+                                  </p:childTnLst>
+                                </p:cTn>
+                              </p:par>
+                            </p:childTnLst>
+                          </p:cTn>
+                        </p:par>
+                      </p:childTnLst>
+                    </p:cTn>
+                  </p:par>
+                  <p:par>
+                    <p:cTn id="18" fill="hold">
+                      <p:stCondLst>
+                        <p:cond delay="indefinite"/>
+                      </p:stCondLst>
+                      <p:childTnLst>
+                        <p:par>
+                          <p:cTn id="19" fill="hold">
+                            <p:stCondLst>
+                              <p:cond delay="0"/>
+                            </p:stCondLst>
+                            <p:childTnLst>
+                              <p:par>
+                                <p:cTn id="20" presetID="10" presetClass="entr" presetSubtype="0" fill="hold" grpId="0" nodeType="clickEffect">
+                                  <p:stCondLst>
+                                    <p:cond delay="0"/>
+                                  </p:stCondLst>
+                                  <p:childTnLst>
+                                    <p:set>
+                                      <p:cBhvr>
+                                        <p:cTn id="21" dur="1" fill="hold">
+                                          <p:stCondLst>
+                                            <p:cond delay="0"/>
+                                          </p:stCondLst>
+                                        </p:cTn>
+                                        <p:tgtEl>
+                                          <p:spTgt spid="3">
+                                            <p:txEl>
+                                              <p:pRg st="3" end="3"/>
+                                            </p:txEl>
+                                          </p:spTgt>
+                                        </p:tgtEl>
+                                        <p:attrNameLst>
+                                          <p:attrName>style.visibility</p:attrName>
+                                        </p:attrNameLst>
+                                      </p:cBhvr>
+                                      <p:to>
+                                        <p:strVal val="visible"/>
+                                      </p:to>
+                                    </p:set>
+                                    <p:animEffect transition="in" filter="fade">
+                                      <p:cBhvr>
+                                        <p:cTn id="22" dur="500"/>
+                                        <p:tgtEl>
+                                          <p:spTgt spid="3">
+                                            <p:txEl>
+                                              <p:pRg st="3" end="3"/>
+                                            </p:txEl>
+                                          </p:spTgt>
+                                        </p:tgtEl>
+                                      </p:cBhvr>
+                                    </p:animEffect>
+                                  </p:childTnLst>
+                                </p:cTn>
+                              </p:par>
+                            </p:childTnLst>
+                          </p:cTn>
+                        </p:par>
+                      </p:childTnLst>
+                    </p:cTn>
+                  </p:par>
+                  <p:par>
+                    <p:cTn id="23" fill="hold">
+                      <p:stCondLst>
+                        <p:cond delay="indefinite"/>
+                      </p:stCondLst>
+                      <p:childTnLst>
+                        <p:par>
+                          <p:cTn id="24" fill="hold">
+                            <p:stCondLst>
+                              <p:cond delay="0"/>
+                            </p:stCondLst>
+                            <p:childTnLst>
+                              <p:par>
+                                <p:cTn id="25" presetID="10" presetClass="entr" presetSubtype="0" fill="hold" grpId="0" nodeType="clickEffect">
+                                  <p:stCondLst>
+                                    <p:cond delay="0"/>
+                                  </p:stCondLst>
+                                  <p:childTnLst>
+                                    <p:set>
+                                      <p:cBhvr>
+                                        <p:cTn id="26" dur="1" fill="hold">
+                                          <p:stCondLst>
+                                            <p:cond delay="0"/>
+                                          </p:stCondLst>
+                                        </p:cTn>
+                                        <p:tgtEl>
+                                          <p:spTgt spid="3">
+                                            <p:txEl>
+                                              <p:pRg st="4" end="4"/>
+                                            </p:txEl>
+                                          </p:spTgt>
+                                        </p:tgtEl>
+                                        <p:attrNameLst>
+                                          <p:attrName>style.visibility</p:attrName>
+                                        </p:attrNameLst>
+                                      </p:cBhvr>
+                                      <p:to>
+                                        <p:strVal val="visible"/>
+                                      </p:to>
+                                    </p:set>
+                                    <p:animEffect transition="in" filter="fade">
+                                      <p:cBhvr>
+                                        <p:cTn id="27" dur="500"/>
+                                        <p:tgtEl>
+                                          <p:spTgt spid="3">
+                                            <p:txEl>
+                                              <p:pRg st="4" end="4"/>
+                                            </p:txEl>
+                                          </p:spTgt>
+                                        </p:tgtEl>
+                                      </p:cBhvr>
+                                    </p:animEffect>
+                                  </p:childTnLst>
+                                </p:cTn>
+                              </p:par>
+                            </p:childTnLst>
+                          </p:cTn>
+                        </p:par>
+                      </p:childTnLst>
+                    </p:cTn>
+                  </p:par>
+                </p:childTnLst>
+              </p:cTn>
+              <p:prevCondLst>
+                <p:cond evt="onPrev" delay="0">
+                  <p:tgtEl>
+                    <p:sldTgt/>
+                  </p:tgtEl>
+                </p:cond>
+              </p:prevCondLst>
+              <p:nextCondLst>
+                <p:cond evt="onNext" delay="0">
+                  <p:tgtEl>
+                    <p:sldTgt/>
+                  </p:tgtEl>
+                </p:cond>
+              </p:nextCondLst>
+            </p:seq>
+          </p:childTnLst>
+        </p:cTn>
+      </p:par>
+    </p:tnLst>
+    <p:bldLst>
+      <p:bldP spid="3" grpId="0" build="p"/>
+    </p:bldLst>
+  </p:timing>
 </p:sld>
 </file>
 
@@ -3181,9 +3857,22 @@
               <a:rPr lang="en-US" dirty="0">
                 <a:sym typeface="Wingdings" panose="05000000000000000000" pitchFamily="2" charset="2"/>
               </a:rPr>
-              <a:t> Templates</a:t>
-            </a:r>
-            <a:endParaRPr lang="en-US" dirty="0"/>
+              <a:t> </a:t>
+            </a:r>
+            <a:r>
+              <a:rPr lang="en-US" b="1" dirty="0">
+                <a:solidFill>
+                  <a:srgbClr val="FF0000"/>
+                </a:solidFill>
+                <a:sym typeface="Wingdings" panose="05000000000000000000" pitchFamily="2" charset="2"/>
+              </a:rPr>
+              <a:t>Templates</a:t>
+            </a:r>
+            <a:endParaRPr lang="en-US" b="1" dirty="0">
+              <a:solidFill>
+                <a:srgbClr val="FF0000"/>
+              </a:solidFill>
+            </a:endParaRPr>
           </a:p>
           <a:p>
             <a:endParaRPr lang="en-US" dirty="0"/>
@@ -3200,6 +3889,344 @@
   <p:clrMapOvr>
     <a:masterClrMapping/>
   </p:clrMapOvr>
+  <p:timing>
+    <p:tnLst>
+      <p:par>
+        <p:cTn id="1" dur="indefinite" restart="never" nodeType="tmRoot">
+          <p:childTnLst>
+            <p:seq concurrent="1" nextAc="seek">
+              <p:cTn id="2" dur="indefinite" nodeType="mainSeq">
+                <p:childTnLst>
+                  <p:par>
+                    <p:cTn id="3" fill="hold">
+                      <p:stCondLst>
+                        <p:cond delay="indefinite"/>
+                      </p:stCondLst>
+                      <p:childTnLst>
+                        <p:par>
+                          <p:cTn id="4" fill="hold">
+                            <p:stCondLst>
+                              <p:cond delay="0"/>
+                            </p:stCondLst>
+                            <p:childTnLst>
+                              <p:par>
+                                <p:cTn id="5" presetID="10" presetClass="entr" presetSubtype="0" fill="hold" grpId="0" nodeType="clickEffect">
+                                  <p:stCondLst>
+                                    <p:cond delay="0"/>
+                                  </p:stCondLst>
+                                  <p:childTnLst>
+                                    <p:set>
+                                      <p:cBhvr>
+                                        <p:cTn id="6" dur="1" fill="hold">
+                                          <p:stCondLst>
+                                            <p:cond delay="0"/>
+                                          </p:stCondLst>
+                                        </p:cTn>
+                                        <p:tgtEl>
+                                          <p:spTgt spid="3">
+                                            <p:txEl>
+                                              <p:pRg st="0" end="0"/>
+                                            </p:txEl>
+                                          </p:spTgt>
+                                        </p:tgtEl>
+                                        <p:attrNameLst>
+                                          <p:attrName>style.visibility</p:attrName>
+                                        </p:attrNameLst>
+                                      </p:cBhvr>
+                                      <p:to>
+                                        <p:strVal val="visible"/>
+                                      </p:to>
+                                    </p:set>
+                                    <p:animEffect transition="in" filter="fade">
+                                      <p:cBhvr>
+                                        <p:cTn id="7" dur="500"/>
+                                        <p:tgtEl>
+                                          <p:spTgt spid="3">
+                                            <p:txEl>
+                                              <p:pRg st="0" end="0"/>
+                                            </p:txEl>
+                                          </p:spTgt>
+                                        </p:tgtEl>
+                                      </p:cBhvr>
+                                    </p:animEffect>
+                                  </p:childTnLst>
+                                </p:cTn>
+                              </p:par>
+                            </p:childTnLst>
+                          </p:cTn>
+                        </p:par>
+                      </p:childTnLst>
+                    </p:cTn>
+                  </p:par>
+                  <p:par>
+                    <p:cTn id="8" fill="hold">
+                      <p:stCondLst>
+                        <p:cond delay="indefinite"/>
+                      </p:stCondLst>
+                      <p:childTnLst>
+                        <p:par>
+                          <p:cTn id="9" fill="hold">
+                            <p:stCondLst>
+                              <p:cond delay="0"/>
+                            </p:stCondLst>
+                            <p:childTnLst>
+                              <p:par>
+                                <p:cTn id="10" presetID="10" presetClass="entr" presetSubtype="0" fill="hold" grpId="0" nodeType="clickEffect">
+                                  <p:stCondLst>
+                                    <p:cond delay="0"/>
+                                  </p:stCondLst>
+                                  <p:childTnLst>
+                                    <p:set>
+                                      <p:cBhvr>
+                                        <p:cTn id="11" dur="1" fill="hold">
+                                          <p:stCondLst>
+                                            <p:cond delay="0"/>
+                                          </p:stCondLst>
+                                        </p:cTn>
+                                        <p:tgtEl>
+                                          <p:spTgt spid="3">
+                                            <p:txEl>
+                                              <p:pRg st="1" end="1"/>
+                                            </p:txEl>
+                                          </p:spTgt>
+                                        </p:tgtEl>
+                                        <p:attrNameLst>
+                                          <p:attrName>style.visibility</p:attrName>
+                                        </p:attrNameLst>
+                                      </p:cBhvr>
+                                      <p:to>
+                                        <p:strVal val="visible"/>
+                                      </p:to>
+                                    </p:set>
+                                    <p:animEffect transition="in" filter="fade">
+                                      <p:cBhvr>
+                                        <p:cTn id="12" dur="500"/>
+                                        <p:tgtEl>
+                                          <p:spTgt spid="3">
+                                            <p:txEl>
+                                              <p:pRg st="1" end="1"/>
+                                            </p:txEl>
+                                          </p:spTgt>
+                                        </p:tgtEl>
+                                      </p:cBhvr>
+                                    </p:animEffect>
+                                  </p:childTnLst>
+                                </p:cTn>
+                              </p:par>
+                            </p:childTnLst>
+                          </p:cTn>
+                        </p:par>
+                      </p:childTnLst>
+                    </p:cTn>
+                  </p:par>
+                  <p:par>
+                    <p:cTn id="13" fill="hold">
+                      <p:stCondLst>
+                        <p:cond delay="indefinite"/>
+                      </p:stCondLst>
+                      <p:childTnLst>
+                        <p:par>
+                          <p:cTn id="14" fill="hold">
+                            <p:stCondLst>
+                              <p:cond delay="0"/>
+                            </p:stCondLst>
+                            <p:childTnLst>
+                              <p:par>
+                                <p:cTn id="15" presetID="10" presetClass="entr" presetSubtype="0" fill="hold" grpId="0" nodeType="clickEffect">
+                                  <p:stCondLst>
+                                    <p:cond delay="0"/>
+                                  </p:stCondLst>
+                                  <p:childTnLst>
+                                    <p:set>
+                                      <p:cBhvr>
+                                        <p:cTn id="16" dur="1" fill="hold">
+                                          <p:stCondLst>
+                                            <p:cond delay="0"/>
+                                          </p:stCondLst>
+                                        </p:cTn>
+                                        <p:tgtEl>
+                                          <p:spTgt spid="3">
+                                            <p:txEl>
+                                              <p:pRg st="2" end="2"/>
+                                            </p:txEl>
+                                          </p:spTgt>
+                                        </p:tgtEl>
+                                        <p:attrNameLst>
+                                          <p:attrName>style.visibility</p:attrName>
+                                        </p:attrNameLst>
+                                      </p:cBhvr>
+                                      <p:to>
+                                        <p:strVal val="visible"/>
+                                      </p:to>
+                                    </p:set>
+                                    <p:animEffect transition="in" filter="fade">
+                                      <p:cBhvr>
+                                        <p:cTn id="17" dur="500"/>
+                                        <p:tgtEl>
+                                          <p:spTgt spid="3">
+                                            <p:txEl>
+                                              <p:pRg st="2" end="2"/>
+                                            </p:txEl>
+                                          </p:spTgt>
+                                        </p:tgtEl>
+                                      </p:cBhvr>
+                                    </p:animEffect>
+                                  </p:childTnLst>
+                                </p:cTn>
+                              </p:par>
+                            </p:childTnLst>
+                          </p:cTn>
+                        </p:par>
+                      </p:childTnLst>
+                    </p:cTn>
+                  </p:par>
+                  <p:par>
+                    <p:cTn id="18" fill="hold">
+                      <p:stCondLst>
+                        <p:cond delay="indefinite"/>
+                      </p:stCondLst>
+                      <p:childTnLst>
+                        <p:par>
+                          <p:cTn id="19" fill="hold">
+                            <p:stCondLst>
+                              <p:cond delay="0"/>
+                            </p:stCondLst>
+                            <p:childTnLst>
+                              <p:par>
+                                <p:cTn id="20" presetID="10" presetClass="entr" presetSubtype="0" fill="hold" grpId="0" nodeType="clickEffect">
+                                  <p:stCondLst>
+                                    <p:cond delay="0"/>
+                                  </p:stCondLst>
+                                  <p:childTnLst>
+                                    <p:set>
+                                      <p:cBhvr>
+                                        <p:cTn id="21" dur="1" fill="hold">
+                                          <p:stCondLst>
+                                            <p:cond delay="0"/>
+                                          </p:stCondLst>
+                                        </p:cTn>
+                                        <p:tgtEl>
+                                          <p:spTgt spid="3">
+                                            <p:txEl>
+                                              <p:pRg st="3" end="3"/>
+                                            </p:txEl>
+                                          </p:spTgt>
+                                        </p:tgtEl>
+                                        <p:attrNameLst>
+                                          <p:attrName>style.visibility</p:attrName>
+                                        </p:attrNameLst>
+                                      </p:cBhvr>
+                                      <p:to>
+                                        <p:strVal val="visible"/>
+                                      </p:to>
+                                    </p:set>
+                                    <p:animEffect transition="in" filter="fade">
+                                      <p:cBhvr>
+                                        <p:cTn id="22" dur="500"/>
+                                        <p:tgtEl>
+                                          <p:spTgt spid="3">
+                                            <p:txEl>
+                                              <p:pRg st="3" end="3"/>
+                                            </p:txEl>
+                                          </p:spTgt>
+                                        </p:tgtEl>
+                                      </p:cBhvr>
+                                    </p:animEffect>
+                                  </p:childTnLst>
+                                </p:cTn>
+                              </p:par>
+                            </p:childTnLst>
+                          </p:cTn>
+                        </p:par>
+                      </p:childTnLst>
+                    </p:cTn>
+                  </p:par>
+                  <p:par>
+                    <p:cTn id="23" fill="hold">
+                      <p:stCondLst>
+                        <p:cond delay="indefinite"/>
+                      </p:stCondLst>
+                      <p:childTnLst>
+                        <p:par>
+                          <p:cTn id="24" fill="hold">
+                            <p:stCondLst>
+                              <p:cond delay="0"/>
+                            </p:stCondLst>
+                            <p:childTnLst>
+                              <p:par>
+                                <p:cTn id="25" presetID="10" presetClass="entr" presetSubtype="0" fill="hold" grpId="0" nodeType="clickEffect">
+                                  <p:stCondLst>
+                                    <p:cond delay="0"/>
+                                  </p:stCondLst>
+                                  <p:childTnLst>
+                                    <p:set>
+                                      <p:cBhvr>
+                                        <p:cTn id="26" dur="1" fill="hold">
+                                          <p:stCondLst>
+                                            <p:cond delay="0"/>
+                                          </p:stCondLst>
+                                        </p:cTn>
+                                        <p:tgtEl>
+                                          <p:spTgt spid="3">
+                                            <p:txEl>
+                                              <p:pRg st="4" end="4"/>
+                                            </p:txEl>
+                                          </p:spTgt>
+                                        </p:tgtEl>
+                                        <p:attrNameLst>
+                                          <p:attrName>style.visibility</p:attrName>
+                                        </p:attrNameLst>
+                                      </p:cBhvr>
+                                      <p:to>
+                                        <p:strVal val="visible"/>
+                                      </p:to>
+                                    </p:set>
+                                    <p:animEffect transition="in" filter="fade">
+                                      <p:cBhvr>
+                                        <p:cTn id="27" dur="500"/>
+                                        <p:tgtEl>
+                                          <p:spTgt spid="3">
+                                            <p:txEl>
+                                              <p:pRg st="4" end="4"/>
+                                            </p:txEl>
+                                          </p:spTgt>
+                                        </p:tgtEl>
+                                      </p:cBhvr>
+                                    </p:animEffect>
+                                  </p:childTnLst>
+                                </p:cTn>
+                              </p:par>
+                            </p:childTnLst>
+                          </p:cTn>
+                        </p:par>
+                      </p:childTnLst>
+                    </p:cTn>
+                  </p:par>
+                </p:childTnLst>
+              </p:cTn>
+              <p:prevCondLst>
+                <p:cond evt="onPrev" delay="0">
+                  <p:tgtEl>
+                    <p:sldTgt/>
+                  </p:tgtEl>
+                </p:cond>
+              </p:prevCondLst>
+              <p:nextCondLst>
+                <p:cond evt="onNext" delay="0">
+                  <p:tgtEl>
+                    <p:sldTgt/>
+                  </p:tgtEl>
+                </p:cond>
+              </p:nextCondLst>
+            </p:seq>
+          </p:childTnLst>
+        </p:cTn>
+      </p:par>
+    </p:tnLst>
+    <p:bldLst>
+      <p:bldP spid="3" grpId="0" uiExpand="1" build="p"/>
+    </p:bldLst>
+  </p:timing>
 </p:sld>
 </file>
 
@@ -3324,6 +4351,491 @@
   <p:clrMapOvr>
     <a:masterClrMapping/>
   </p:clrMapOvr>
+  <p:timing>
+    <p:tnLst>
+      <p:par>
+        <p:cTn id="1" dur="indefinite" restart="never" nodeType="tmRoot">
+          <p:childTnLst>
+            <p:seq concurrent="1" nextAc="seek">
+              <p:cTn id="2" dur="indefinite" nodeType="mainSeq">
+                <p:childTnLst>
+                  <p:par>
+                    <p:cTn id="3" fill="hold">
+                      <p:stCondLst>
+                        <p:cond delay="indefinite"/>
+                      </p:stCondLst>
+                      <p:childTnLst>
+                        <p:par>
+                          <p:cTn id="4" fill="hold">
+                            <p:stCondLst>
+                              <p:cond delay="0"/>
+                            </p:stCondLst>
+                            <p:childTnLst>
+                              <p:par>
+                                <p:cTn id="5" presetID="10" presetClass="entr" presetSubtype="0" fill="hold" grpId="0" nodeType="clickEffect">
+                                  <p:stCondLst>
+                                    <p:cond delay="0"/>
+                                  </p:stCondLst>
+                                  <p:childTnLst>
+                                    <p:set>
+                                      <p:cBhvr>
+                                        <p:cTn id="6" dur="1" fill="hold">
+                                          <p:stCondLst>
+                                            <p:cond delay="0"/>
+                                          </p:stCondLst>
+                                        </p:cTn>
+                                        <p:tgtEl>
+                                          <p:spTgt spid="3">
+                                            <p:txEl>
+                                              <p:pRg st="0" end="0"/>
+                                            </p:txEl>
+                                          </p:spTgt>
+                                        </p:tgtEl>
+                                        <p:attrNameLst>
+                                          <p:attrName>style.visibility</p:attrName>
+                                        </p:attrNameLst>
+                                      </p:cBhvr>
+                                      <p:to>
+                                        <p:strVal val="visible"/>
+                                      </p:to>
+                                    </p:set>
+                                    <p:animEffect transition="in" filter="fade">
+                                      <p:cBhvr>
+                                        <p:cTn id="7" dur="500"/>
+                                        <p:tgtEl>
+                                          <p:spTgt spid="3">
+                                            <p:txEl>
+                                              <p:pRg st="0" end="0"/>
+                                            </p:txEl>
+                                          </p:spTgt>
+                                        </p:tgtEl>
+                                      </p:cBhvr>
+                                    </p:animEffect>
+                                  </p:childTnLst>
+                                </p:cTn>
+                              </p:par>
+                            </p:childTnLst>
+                          </p:cTn>
+                        </p:par>
+                      </p:childTnLst>
+                    </p:cTn>
+                  </p:par>
+                  <p:par>
+                    <p:cTn id="8" fill="hold">
+                      <p:stCondLst>
+                        <p:cond delay="indefinite"/>
+                      </p:stCondLst>
+                      <p:childTnLst>
+                        <p:par>
+                          <p:cTn id="9" fill="hold">
+                            <p:stCondLst>
+                              <p:cond delay="0"/>
+                            </p:stCondLst>
+                            <p:childTnLst>
+                              <p:par>
+                                <p:cTn id="10" presetID="10" presetClass="entr" presetSubtype="0" fill="hold" grpId="0" nodeType="clickEffect">
+                                  <p:stCondLst>
+                                    <p:cond delay="0"/>
+                                  </p:stCondLst>
+                                  <p:childTnLst>
+                                    <p:set>
+                                      <p:cBhvr>
+                                        <p:cTn id="11" dur="1" fill="hold">
+                                          <p:stCondLst>
+                                            <p:cond delay="0"/>
+                                          </p:stCondLst>
+                                        </p:cTn>
+                                        <p:tgtEl>
+                                          <p:spTgt spid="3">
+                                            <p:txEl>
+                                              <p:pRg st="1" end="1"/>
+                                            </p:txEl>
+                                          </p:spTgt>
+                                        </p:tgtEl>
+                                        <p:attrNameLst>
+                                          <p:attrName>style.visibility</p:attrName>
+                                        </p:attrNameLst>
+                                      </p:cBhvr>
+                                      <p:to>
+                                        <p:strVal val="visible"/>
+                                      </p:to>
+                                    </p:set>
+                                    <p:animEffect transition="in" filter="fade">
+                                      <p:cBhvr>
+                                        <p:cTn id="12" dur="500"/>
+                                        <p:tgtEl>
+                                          <p:spTgt spid="3">
+                                            <p:txEl>
+                                              <p:pRg st="1" end="1"/>
+                                            </p:txEl>
+                                          </p:spTgt>
+                                        </p:tgtEl>
+                                      </p:cBhvr>
+                                    </p:animEffect>
+                                  </p:childTnLst>
+                                </p:cTn>
+                              </p:par>
+                            </p:childTnLst>
+                          </p:cTn>
+                        </p:par>
+                      </p:childTnLst>
+                    </p:cTn>
+                  </p:par>
+                  <p:par>
+                    <p:cTn id="13" fill="hold">
+                      <p:stCondLst>
+                        <p:cond delay="indefinite"/>
+                      </p:stCondLst>
+                      <p:childTnLst>
+                        <p:par>
+                          <p:cTn id="14" fill="hold">
+                            <p:stCondLst>
+                              <p:cond delay="0"/>
+                            </p:stCondLst>
+                            <p:childTnLst>
+                              <p:par>
+                                <p:cTn id="15" presetID="10" presetClass="entr" presetSubtype="0" fill="hold" grpId="0" nodeType="clickEffect">
+                                  <p:stCondLst>
+                                    <p:cond delay="0"/>
+                                  </p:stCondLst>
+                                  <p:childTnLst>
+                                    <p:set>
+                                      <p:cBhvr>
+                                        <p:cTn id="16" dur="1" fill="hold">
+                                          <p:stCondLst>
+                                            <p:cond delay="0"/>
+                                          </p:stCondLst>
+                                        </p:cTn>
+                                        <p:tgtEl>
+                                          <p:spTgt spid="3">
+                                            <p:txEl>
+                                              <p:pRg st="2" end="2"/>
+                                            </p:txEl>
+                                          </p:spTgt>
+                                        </p:tgtEl>
+                                        <p:attrNameLst>
+                                          <p:attrName>style.visibility</p:attrName>
+                                        </p:attrNameLst>
+                                      </p:cBhvr>
+                                      <p:to>
+                                        <p:strVal val="visible"/>
+                                      </p:to>
+                                    </p:set>
+                                    <p:animEffect transition="in" filter="fade">
+                                      <p:cBhvr>
+                                        <p:cTn id="17" dur="500"/>
+                                        <p:tgtEl>
+                                          <p:spTgt spid="3">
+                                            <p:txEl>
+                                              <p:pRg st="2" end="2"/>
+                                            </p:txEl>
+                                          </p:spTgt>
+                                        </p:tgtEl>
+                                      </p:cBhvr>
+                                    </p:animEffect>
+                                  </p:childTnLst>
+                                </p:cTn>
+                              </p:par>
+                            </p:childTnLst>
+                          </p:cTn>
+                        </p:par>
+                      </p:childTnLst>
+                    </p:cTn>
+                  </p:par>
+                  <p:par>
+                    <p:cTn id="18" fill="hold">
+                      <p:stCondLst>
+                        <p:cond delay="indefinite"/>
+                      </p:stCondLst>
+                      <p:childTnLst>
+                        <p:par>
+                          <p:cTn id="19" fill="hold">
+                            <p:stCondLst>
+                              <p:cond delay="0"/>
+                            </p:stCondLst>
+                            <p:childTnLst>
+                              <p:par>
+                                <p:cTn id="20" presetID="10" presetClass="entr" presetSubtype="0" fill="hold" grpId="0" nodeType="clickEffect">
+                                  <p:stCondLst>
+                                    <p:cond delay="0"/>
+                                  </p:stCondLst>
+                                  <p:childTnLst>
+                                    <p:set>
+                                      <p:cBhvr>
+                                        <p:cTn id="21" dur="1" fill="hold">
+                                          <p:stCondLst>
+                                            <p:cond delay="0"/>
+                                          </p:stCondLst>
+                                        </p:cTn>
+                                        <p:tgtEl>
+                                          <p:spTgt spid="3">
+                                            <p:txEl>
+                                              <p:pRg st="3" end="3"/>
+                                            </p:txEl>
+                                          </p:spTgt>
+                                        </p:tgtEl>
+                                        <p:attrNameLst>
+                                          <p:attrName>style.visibility</p:attrName>
+                                        </p:attrNameLst>
+                                      </p:cBhvr>
+                                      <p:to>
+                                        <p:strVal val="visible"/>
+                                      </p:to>
+                                    </p:set>
+                                    <p:animEffect transition="in" filter="fade">
+                                      <p:cBhvr>
+                                        <p:cTn id="22" dur="500"/>
+                                        <p:tgtEl>
+                                          <p:spTgt spid="3">
+                                            <p:txEl>
+                                              <p:pRg st="3" end="3"/>
+                                            </p:txEl>
+                                          </p:spTgt>
+                                        </p:tgtEl>
+                                      </p:cBhvr>
+                                    </p:animEffect>
+                                  </p:childTnLst>
+                                </p:cTn>
+                              </p:par>
+                            </p:childTnLst>
+                          </p:cTn>
+                        </p:par>
+                      </p:childTnLst>
+                    </p:cTn>
+                  </p:par>
+                  <p:par>
+                    <p:cTn id="23" fill="hold">
+                      <p:stCondLst>
+                        <p:cond delay="indefinite"/>
+                      </p:stCondLst>
+                      <p:childTnLst>
+                        <p:par>
+                          <p:cTn id="24" fill="hold">
+                            <p:stCondLst>
+                              <p:cond delay="0"/>
+                            </p:stCondLst>
+                            <p:childTnLst>
+                              <p:par>
+                                <p:cTn id="25" presetID="10" presetClass="entr" presetSubtype="0" fill="hold" grpId="0" nodeType="clickEffect">
+                                  <p:stCondLst>
+                                    <p:cond delay="0"/>
+                                  </p:stCondLst>
+                                  <p:childTnLst>
+                                    <p:set>
+                                      <p:cBhvr>
+                                        <p:cTn id="26" dur="1" fill="hold">
+                                          <p:stCondLst>
+                                            <p:cond delay="0"/>
+                                          </p:stCondLst>
+                                        </p:cTn>
+                                        <p:tgtEl>
+                                          <p:spTgt spid="3">
+                                            <p:txEl>
+                                              <p:pRg st="4" end="4"/>
+                                            </p:txEl>
+                                          </p:spTgt>
+                                        </p:tgtEl>
+                                        <p:attrNameLst>
+                                          <p:attrName>style.visibility</p:attrName>
+                                        </p:attrNameLst>
+                                      </p:cBhvr>
+                                      <p:to>
+                                        <p:strVal val="visible"/>
+                                      </p:to>
+                                    </p:set>
+                                    <p:animEffect transition="in" filter="fade">
+                                      <p:cBhvr>
+                                        <p:cTn id="27" dur="500"/>
+                                        <p:tgtEl>
+                                          <p:spTgt spid="3">
+                                            <p:txEl>
+                                              <p:pRg st="4" end="4"/>
+                                            </p:txEl>
+                                          </p:spTgt>
+                                        </p:tgtEl>
+                                      </p:cBhvr>
+                                    </p:animEffect>
+                                  </p:childTnLst>
+                                </p:cTn>
+                              </p:par>
+                              <p:par>
+                                <p:cTn id="28" presetID="10" presetClass="entr" presetSubtype="0" fill="hold" grpId="0" nodeType="withEffect">
+                                  <p:stCondLst>
+                                    <p:cond delay="0"/>
+                                  </p:stCondLst>
+                                  <p:childTnLst>
+                                    <p:set>
+                                      <p:cBhvr>
+                                        <p:cTn id="29" dur="1" fill="hold">
+                                          <p:stCondLst>
+                                            <p:cond delay="0"/>
+                                          </p:stCondLst>
+                                        </p:cTn>
+                                        <p:tgtEl>
+                                          <p:spTgt spid="3">
+                                            <p:txEl>
+                                              <p:pRg st="5" end="5"/>
+                                            </p:txEl>
+                                          </p:spTgt>
+                                        </p:tgtEl>
+                                        <p:attrNameLst>
+                                          <p:attrName>style.visibility</p:attrName>
+                                        </p:attrNameLst>
+                                      </p:cBhvr>
+                                      <p:to>
+                                        <p:strVal val="visible"/>
+                                      </p:to>
+                                    </p:set>
+                                    <p:animEffect transition="in" filter="fade">
+                                      <p:cBhvr>
+                                        <p:cTn id="30" dur="500"/>
+                                        <p:tgtEl>
+                                          <p:spTgt spid="3">
+                                            <p:txEl>
+                                              <p:pRg st="5" end="5"/>
+                                            </p:txEl>
+                                          </p:spTgt>
+                                        </p:tgtEl>
+                                      </p:cBhvr>
+                                    </p:animEffect>
+                                  </p:childTnLst>
+                                </p:cTn>
+                              </p:par>
+                              <p:par>
+                                <p:cTn id="31" presetID="10" presetClass="entr" presetSubtype="0" fill="hold" grpId="0" nodeType="withEffect">
+                                  <p:stCondLst>
+                                    <p:cond delay="0"/>
+                                  </p:stCondLst>
+                                  <p:childTnLst>
+                                    <p:set>
+                                      <p:cBhvr>
+                                        <p:cTn id="32" dur="1" fill="hold">
+                                          <p:stCondLst>
+                                            <p:cond delay="0"/>
+                                          </p:stCondLst>
+                                        </p:cTn>
+                                        <p:tgtEl>
+                                          <p:spTgt spid="3">
+                                            <p:txEl>
+                                              <p:pRg st="6" end="6"/>
+                                            </p:txEl>
+                                          </p:spTgt>
+                                        </p:tgtEl>
+                                        <p:attrNameLst>
+                                          <p:attrName>style.visibility</p:attrName>
+                                        </p:attrNameLst>
+                                      </p:cBhvr>
+                                      <p:to>
+                                        <p:strVal val="visible"/>
+                                      </p:to>
+                                    </p:set>
+                                    <p:animEffect transition="in" filter="fade">
+                                      <p:cBhvr>
+                                        <p:cTn id="33" dur="500"/>
+                                        <p:tgtEl>
+                                          <p:spTgt spid="3">
+                                            <p:txEl>
+                                              <p:pRg st="6" end="6"/>
+                                            </p:txEl>
+                                          </p:spTgt>
+                                        </p:tgtEl>
+                                      </p:cBhvr>
+                                    </p:animEffect>
+                                  </p:childTnLst>
+                                </p:cTn>
+                              </p:par>
+                            </p:childTnLst>
+                          </p:cTn>
+                        </p:par>
+                      </p:childTnLst>
+                    </p:cTn>
+                  </p:par>
+                  <p:par>
+                    <p:cTn id="34" fill="hold">
+                      <p:stCondLst>
+                        <p:cond delay="indefinite"/>
+                      </p:stCondLst>
+                      <p:childTnLst>
+                        <p:par>
+                          <p:cTn id="35" fill="hold">
+                            <p:stCondLst>
+                              <p:cond delay="0"/>
+                            </p:stCondLst>
+                            <p:childTnLst>
+                              <p:par>
+                                <p:cTn id="36" presetID="10" presetClass="entr" presetSubtype="0" fill="hold" grpId="0" nodeType="clickEffect">
+                                  <p:stCondLst>
+                                    <p:cond delay="0"/>
+                                  </p:stCondLst>
+                                  <p:childTnLst>
+                                    <p:set>
+                                      <p:cBhvr>
+                                        <p:cTn id="37" dur="1" fill="hold">
+                                          <p:stCondLst>
+                                            <p:cond delay="0"/>
+                                          </p:stCondLst>
+                                        </p:cTn>
+                                        <p:tgtEl>
+                                          <p:spTgt spid="3">
+                                            <p:txEl>
+                                              <p:pRg st="7" end="7"/>
+                                            </p:txEl>
+                                          </p:spTgt>
+                                        </p:tgtEl>
+                                        <p:attrNameLst>
+                                          <p:attrName>style.visibility</p:attrName>
+                                        </p:attrNameLst>
+                                      </p:cBhvr>
+                                      <p:to>
+                                        <p:strVal val="visible"/>
+                                      </p:to>
+                                    </p:set>
+                                    <p:animEffect transition="in" filter="fade">
+                                      <p:cBhvr>
+                                        <p:cTn id="38" dur="500"/>
+                                        <p:tgtEl>
+                                          <p:spTgt spid="3">
+                                            <p:txEl>
+                                              <p:pRg st="7" end="7"/>
+                                            </p:txEl>
+                                          </p:spTgt>
+                                        </p:tgtEl>
+                                      </p:cBhvr>
+                                    </p:animEffect>
+                                  </p:childTnLst>
+                                </p:cTn>
+                              </p:par>
+                            </p:childTnLst>
+                          </p:cTn>
+                        </p:par>
+                      </p:childTnLst>
+                    </p:cTn>
+                  </p:par>
+                </p:childTnLst>
+              </p:cTn>
+              <p:prevCondLst>
+                <p:cond evt="onPrev" delay="0">
+                  <p:tgtEl>
+                    <p:sldTgt/>
+                  </p:tgtEl>
+                </p:cond>
+              </p:prevCondLst>
+              <p:nextCondLst>
+                <p:cond evt="onNext" delay="0">
+                  <p:tgtEl>
+                    <p:sldTgt/>
+                  </p:tgtEl>
+                </p:cond>
+              </p:nextCondLst>
+            </p:seq>
+          </p:childTnLst>
+        </p:cTn>
+      </p:par>
+    </p:tnLst>
+    <p:bldLst>
+      <p:bldP spid="3" grpId="0" build="p"/>
+    </p:bldLst>
+  </p:timing>
 </p:sld>
 </file>
 

--- a/Presentation/Presentation.pptx
+++ b/Presentation/Presentation.pptx
@@ -3381,13 +3381,13 @@
           <a:p>
             <a:r>
               <a:rPr lang="en-US" dirty="0"/>
+              <a:t>Target: C with classes</a:t>
+            </a:r>
+          </a:p>
+          <a:p>
+            <a:r>
+              <a:rPr lang="en-US" dirty="0"/>
               <a:t>Use Cases: System &amp; Application programming</a:t>
-            </a:r>
-          </a:p>
-          <a:p>
-            <a:r>
-              <a:rPr lang="en-US" dirty="0"/>
-              <a:t>Target: C with classes</a:t>
             </a:r>
           </a:p>
           <a:p>
@@ -4289,12 +4289,6 @@
           <a:p>
             <a:r>
               <a:rPr lang="en-US" dirty="0"/>
-              <a:t>Introduced with C++14 (alias templates C++11)</a:t>
-            </a:r>
-          </a:p>
-          <a:p>
-            <a:r>
-              <a:rPr lang="en-US" dirty="0"/>
               <a:t>Also called “Metaprogramming”</a:t>
             </a:r>
           </a:p>
@@ -4597,33 +4591,15 @@
                                   </p:childTnLst>
                                 </p:cTn>
                               </p:par>
-                            </p:childTnLst>
-                          </p:cTn>
-                        </p:par>
-                      </p:childTnLst>
-                    </p:cTn>
-                  </p:par>
-                  <p:par>
-                    <p:cTn id="23" fill="hold">
-                      <p:stCondLst>
-                        <p:cond delay="indefinite"/>
-                      </p:stCondLst>
-                      <p:childTnLst>
-                        <p:par>
-                          <p:cTn id="24" fill="hold">
-                            <p:stCondLst>
-                              <p:cond delay="0"/>
-                            </p:stCondLst>
-                            <p:childTnLst>
                               <p:par>
-                                <p:cTn id="25" presetID="10" presetClass="entr" presetSubtype="0" fill="hold" grpId="0" nodeType="clickEffect">
+                                <p:cTn id="23" presetID="10" presetClass="entr" presetSubtype="0" fill="hold" grpId="0" nodeType="withEffect">
                                   <p:stCondLst>
                                     <p:cond delay="0"/>
                                   </p:stCondLst>
                                   <p:childTnLst>
                                     <p:set>
                                       <p:cBhvr>
-                                        <p:cTn id="26" dur="1" fill="hold">
+                                        <p:cTn id="24" dur="1" fill="hold">
                                           <p:stCondLst>
                                             <p:cond delay="0"/>
                                           </p:stCondLst>
@@ -4645,7 +4621,7 @@
                                     </p:set>
                                     <p:animEffect transition="in" filter="fade">
                                       <p:cBhvr>
-                                        <p:cTn id="27" dur="500"/>
+                                        <p:cTn id="25" dur="500"/>
                                         <p:tgtEl>
                                           <p:spTgt spid="3">
                                             <p:txEl>
@@ -4659,14 +4635,14 @@
                                 </p:cTn>
                               </p:par>
                               <p:par>
-                                <p:cTn id="28" presetID="10" presetClass="entr" presetSubtype="0" fill="hold" grpId="0" nodeType="withEffect">
+                                <p:cTn id="26" presetID="10" presetClass="entr" presetSubtype="0" fill="hold" grpId="0" nodeType="withEffect">
                                   <p:stCondLst>
                                     <p:cond delay="0"/>
                                   </p:stCondLst>
                                   <p:childTnLst>
                                     <p:set>
                                       <p:cBhvr>
-                                        <p:cTn id="29" dur="1" fill="hold">
+                                        <p:cTn id="27" dur="1" fill="hold">
                                           <p:stCondLst>
                                             <p:cond delay="0"/>
                                           </p:stCondLst>
@@ -4688,7 +4664,7 @@
                                     </p:set>
                                     <p:animEffect transition="in" filter="fade">
                                       <p:cBhvr>
-                                        <p:cTn id="30" dur="500"/>
+                                        <p:cTn id="28" dur="500"/>
                                         <p:tgtEl>
                                           <p:spTgt spid="3">
                                             <p:txEl>
@@ -4701,8 +4677,26 @@
                                   </p:childTnLst>
                                 </p:cTn>
                               </p:par>
+                            </p:childTnLst>
+                          </p:cTn>
+                        </p:par>
+                      </p:childTnLst>
+                    </p:cTn>
+                  </p:par>
+                  <p:par>
+                    <p:cTn id="29" fill="hold">
+                      <p:stCondLst>
+                        <p:cond delay="indefinite"/>
+                      </p:stCondLst>
+                      <p:childTnLst>
+                        <p:par>
+                          <p:cTn id="30" fill="hold">
+                            <p:stCondLst>
+                              <p:cond delay="0"/>
+                            </p:stCondLst>
+                            <p:childTnLst>
                               <p:par>
-                                <p:cTn id="31" presetID="10" presetClass="entr" presetSubtype="0" fill="hold" grpId="0" nodeType="withEffect">
+                                <p:cTn id="31" presetID="10" presetClass="entr" presetSubtype="0" fill="hold" grpId="0" nodeType="clickEffect">
                                   <p:stCondLst>
                                     <p:cond delay="0"/>
                                   </p:stCondLst>
@@ -4736,67 +4730,6 @@
                                           <p:spTgt spid="3">
                                             <p:txEl>
                                               <p:pRg st="6" end="6"/>
-                                            </p:txEl>
-                                          </p:spTgt>
-                                        </p:tgtEl>
-                                      </p:cBhvr>
-                                    </p:animEffect>
-                                  </p:childTnLst>
-                                </p:cTn>
-                              </p:par>
-                            </p:childTnLst>
-                          </p:cTn>
-                        </p:par>
-                      </p:childTnLst>
-                    </p:cTn>
-                  </p:par>
-                  <p:par>
-                    <p:cTn id="34" fill="hold">
-                      <p:stCondLst>
-                        <p:cond delay="indefinite"/>
-                      </p:stCondLst>
-                      <p:childTnLst>
-                        <p:par>
-                          <p:cTn id="35" fill="hold">
-                            <p:stCondLst>
-                              <p:cond delay="0"/>
-                            </p:stCondLst>
-                            <p:childTnLst>
-                              <p:par>
-                                <p:cTn id="36" presetID="10" presetClass="entr" presetSubtype="0" fill="hold" grpId="0" nodeType="clickEffect">
-                                  <p:stCondLst>
-                                    <p:cond delay="0"/>
-                                  </p:stCondLst>
-                                  <p:childTnLst>
-                                    <p:set>
-                                      <p:cBhvr>
-                                        <p:cTn id="37" dur="1" fill="hold">
-                                          <p:stCondLst>
-                                            <p:cond delay="0"/>
-                                          </p:stCondLst>
-                                        </p:cTn>
-                                        <p:tgtEl>
-                                          <p:spTgt spid="3">
-                                            <p:txEl>
-                                              <p:pRg st="7" end="7"/>
-                                            </p:txEl>
-                                          </p:spTgt>
-                                        </p:tgtEl>
-                                        <p:attrNameLst>
-                                          <p:attrName>style.visibility</p:attrName>
-                                        </p:attrNameLst>
-                                      </p:cBhvr>
-                                      <p:to>
-                                        <p:strVal val="visible"/>
-                                      </p:to>
-                                    </p:set>
-                                    <p:animEffect transition="in" filter="fade">
-                                      <p:cBhvr>
-                                        <p:cTn id="38" dur="500"/>
-                                        <p:tgtEl>
-                                          <p:spTgt spid="3">
-                                            <p:txEl>
-                                              <p:pRg st="7" end="7"/>
                                             </p:txEl>
                                           </p:spTgt>
                                         </p:tgtEl>

--- a/Presentation/Presentation.pptx
+++ b/Presentation/Presentation.pptx
@@ -4301,6 +4301,12 @@
           <a:p>
             <a:r>
               <a:rPr lang="en-US" dirty="0"/>
+              <a:t>3 types of templates (function, class, variable)</a:t>
+            </a:r>
+          </a:p>
+          <a:p>
+            <a:r>
+              <a:rPr lang="en-US" dirty="0"/>
               <a:t>Basis for STL</a:t>
             </a:r>
           </a:p>
@@ -4591,15 +4597,33 @@
                                   </p:childTnLst>
                                 </p:cTn>
                               </p:par>
+                            </p:childTnLst>
+                          </p:cTn>
+                        </p:par>
+                      </p:childTnLst>
+                    </p:cTn>
+                  </p:par>
+                  <p:par>
+                    <p:cTn id="23" fill="hold">
+                      <p:stCondLst>
+                        <p:cond delay="indefinite"/>
+                      </p:stCondLst>
+                      <p:childTnLst>
+                        <p:par>
+                          <p:cTn id="24" fill="hold">
+                            <p:stCondLst>
+                              <p:cond delay="0"/>
+                            </p:stCondLst>
+                            <p:childTnLst>
                               <p:par>
-                                <p:cTn id="23" presetID="10" presetClass="entr" presetSubtype="0" fill="hold" grpId="0" nodeType="withEffect">
+                                <p:cTn id="25" presetID="10" presetClass="entr" presetSubtype="0" fill="hold" grpId="0" nodeType="clickEffect">
                                   <p:stCondLst>
                                     <p:cond delay="0"/>
                                   </p:stCondLst>
                                   <p:childTnLst>
                                     <p:set>
                                       <p:cBhvr>
-                                        <p:cTn id="24" dur="1" fill="hold">
+                                        <p:cTn id="26" dur="1" fill="hold">
                                           <p:stCondLst>
                                             <p:cond delay="0"/>
                                           </p:stCondLst>
@@ -4621,7 +4645,7 @@
                                     </p:set>
                                     <p:animEffect transition="in" filter="fade">
                                       <p:cBhvr>
-                                        <p:cTn id="25" dur="500"/>
+                                        <p:cTn id="27" dur="500"/>
                                         <p:tgtEl>
                                           <p:spTgt spid="3">
                                             <p:txEl>
@@ -4635,14 +4659,14 @@
                                 </p:cTn>
                               </p:par>
                               <p:par>
-                                <p:cTn id="26" presetID="10" presetClass="entr" presetSubtype="0" fill="hold" grpId="0" nodeType="withEffect">
+                                <p:cTn id="28" presetID="10" presetClass="entr" presetSubtype="0" fill="hold" grpId="0" nodeType="withEffect">
                                   <p:stCondLst>
                                     <p:cond delay="0"/>
                                   </p:stCondLst>
                                   <p:childTnLst>
                                     <p:set>
                                       <p:cBhvr>
-                                        <p:cTn id="27" dur="1" fill="hold">
+                                        <p:cTn id="29" dur="1" fill="hold">
                                           <p:stCondLst>
                                             <p:cond delay="0"/>
                                           </p:stCondLst>
@@ -4664,7 +4688,7 @@
                                     </p:set>
                                     <p:animEffect transition="in" filter="fade">
                                       <p:cBhvr>
-                                        <p:cTn id="28" dur="500"/>
+                                        <p:cTn id="30" dur="500"/>
                                         <p:tgtEl>
                                           <p:spTgt spid="3">
                                             <p:txEl>
@@ -4677,26 +4701,8 @@
                                   </p:childTnLst>
                                 </p:cTn>
                               </p:par>
-                            </p:childTnLst>
-                          </p:cTn>
-                        </p:par>
-                      </p:childTnLst>
-                    </p:cTn>
-                  </p:par>
-                  <p:par>
-                    <p:cTn id="29" fill="hold">
-                      <p:stCondLst>
-                        <p:cond delay="indefinite"/>
-                      </p:stCondLst>
-                      <p:childTnLst>
-                        <p:par>
-                          <p:cTn id="30" fill="hold">
-                            <p:stCondLst>
-                              <p:cond delay="0"/>
-                            </p:stCondLst>
-                            <p:childTnLst>
                               <p:par>
-                                <p:cTn id="31" presetID="10" presetClass="entr" presetSubtype="0" fill="hold" grpId="0" nodeType="clickEffect">
+                                <p:cTn id="31" presetID="10" presetClass="entr" presetSubtype="0" fill="hold" grpId="0" nodeType="withEffect">
                                   <p:stCondLst>
                                     <p:cond delay="0"/>
                                   </p:stCondLst>
@@ -4730,6 +4736,67 @@
                                           <p:spTgt spid="3">
                                             <p:txEl>
                                               <p:pRg st="6" end="6"/>
+                                            </p:txEl>
+                                          </p:spTgt>
+                                        </p:tgtEl>
+                                      </p:cBhvr>
+                                    </p:animEffect>
+                                  </p:childTnLst>
+                                </p:cTn>
+                              </p:par>
+                            </p:childTnLst>
+                          </p:cTn>
+                        </p:par>
+                      </p:childTnLst>
+                    </p:cTn>
+                  </p:par>
+                  <p:par>
+                    <p:cTn id="34" fill="hold">
+                      <p:stCondLst>
+                        <p:cond delay="indefinite"/>
+                      </p:stCondLst>
+                      <p:childTnLst>
+                        <p:par>
+                          <p:cTn id="35" fill="hold">
+                            <p:stCondLst>
+                              <p:cond delay="0"/>
+                            </p:stCondLst>
+                            <p:childTnLst>
+                              <p:par>
+                                <p:cTn id="36" presetID="10" presetClass="entr" presetSubtype="0" fill="hold" grpId="0" nodeType="clickEffect">
+                                  <p:stCondLst>
+                                    <p:cond delay="0"/>
+                                  </p:stCondLst>
+                                  <p:childTnLst>
+                                    <p:set>
+                                      <p:cBhvr>
+                                        <p:cTn id="37" dur="1" fill="hold">
+                                          <p:stCondLst>
+                                            <p:cond delay="0"/>
+                                          </p:stCondLst>
+                                        </p:cTn>
+                                        <p:tgtEl>
+                                          <p:spTgt spid="3">
+                                            <p:txEl>
+                                              <p:pRg st="7" end="7"/>
+                                            </p:txEl>
+                                          </p:spTgt>
+                                        </p:tgtEl>
+                                        <p:attrNameLst>
+                                          <p:attrName>style.visibility</p:attrName>
+                                        </p:attrNameLst>
+                                      </p:cBhvr>
+                                      <p:to>
+                                        <p:strVal val="visible"/>
+                                      </p:to>
+                                    </p:set>
+                                    <p:animEffect transition="in" filter="fade">
+                                      <p:cBhvr>
+                                        <p:cTn id="38" dur="500"/>
+                                        <p:tgtEl>
+                                          <p:spTgt spid="3">
+                                            <p:txEl>
+                                              <p:pRg st="7" end="7"/>
                                             </p:txEl>
                                           </p:spTgt>
                                         </p:tgtEl>
